--- a/MyProject/Презентация моего проекта Sbyt (PshikovIE).pptx
+++ b/MyProject/Презентация моего проекта Sbyt (PshikovIE).pptx
@@ -7,6 +7,11 @@
   <p:sldIdLst>
     <p:sldId id="256" r:id="rId2"/>
     <p:sldId id="257" r:id="rId3"/>
+    <p:sldId id="258" r:id="rId4"/>
+    <p:sldId id="262" r:id="rId5"/>
+    <p:sldId id="259" r:id="rId6"/>
+    <p:sldId id="260" r:id="rId7"/>
+    <p:sldId id="261" r:id="rId8"/>
   </p:sldIdLst>
   <p:sldSz cx="12192000" cy="6858000"/>
   <p:notesSz cx="6858000" cy="9144000"/>
@@ -305,7 +310,7 @@
             <a:fld id="{B61BEF0D-F0BB-DE4B-95CE-6DB70DBA9567}" type="datetimeFigureOut">
               <a:rPr lang="en-US" dirty="0"/>
               <a:pPr/>
-              <a:t>5/30/2021</a:t>
+              <a:t>8/3/2021</a:t>
             </a:fld>
             <a:endParaRPr lang="en-US" dirty="0"/>
           </a:p>
@@ -738,7 +743,7 @@
             <a:fld id="{B61BEF0D-F0BB-DE4B-95CE-6DB70DBA9567}" type="datetimeFigureOut">
               <a:rPr lang="en-US" dirty="0"/>
               <a:pPr/>
-              <a:t>5/30/2021</a:t>
+              <a:t>8/3/2021</a:t>
             </a:fld>
             <a:endParaRPr lang="en-US" dirty="0"/>
           </a:p>
@@ -985,7 +990,7 @@
             <a:fld id="{B61BEF0D-F0BB-DE4B-95CE-6DB70DBA9567}" type="datetimeFigureOut">
               <a:rPr lang="en-US" dirty="0"/>
               <a:pPr/>
-              <a:t>5/30/2021</a:t>
+              <a:t>8/3/2021</a:t>
             </a:fld>
             <a:endParaRPr lang="en-US" dirty="0"/>
           </a:p>
@@ -1290,7 +1295,7 @@
             <a:fld id="{B61BEF0D-F0BB-DE4B-95CE-6DB70DBA9567}" type="datetimeFigureOut">
               <a:rPr lang="en-US" dirty="0"/>
               <a:pPr/>
-              <a:t>5/30/2021</a:t>
+              <a:t>8/3/2021</a:t>
             </a:fld>
             <a:endParaRPr lang="en-US" dirty="0"/>
           </a:p>
@@ -1605,7 +1610,7 @@
             <a:fld id="{B61BEF0D-F0BB-DE4B-95CE-6DB70DBA9567}" type="datetimeFigureOut">
               <a:rPr lang="en-US" dirty="0"/>
               <a:pPr/>
-              <a:t>5/30/2021</a:t>
+              <a:t>8/3/2021</a:t>
             </a:fld>
             <a:endParaRPr lang="en-US" dirty="0"/>
           </a:p>
@@ -1904,7 +1909,7 @@
             <a:fld id="{B61BEF0D-F0BB-DE4B-95CE-6DB70DBA9567}" type="datetimeFigureOut">
               <a:rPr lang="en-US" dirty="0"/>
               <a:pPr/>
-              <a:t>5/30/2021</a:t>
+              <a:t>8/3/2021</a:t>
             </a:fld>
             <a:endParaRPr lang="en-US" dirty="0"/>
           </a:p>
@@ -2268,7 +2273,7 @@
             <a:fld id="{B61BEF0D-F0BB-DE4B-95CE-6DB70DBA9567}" type="datetimeFigureOut">
               <a:rPr lang="en-US" dirty="0"/>
               <a:pPr/>
-              <a:t>5/30/2021</a:t>
+              <a:t>8/3/2021</a:t>
             </a:fld>
             <a:endParaRPr lang="en-US" dirty="0"/>
           </a:p>
@@ -2439,7 +2444,7 @@
             <a:fld id="{B61BEF0D-F0BB-DE4B-95CE-6DB70DBA9567}" type="datetimeFigureOut">
               <a:rPr lang="en-US" dirty="0"/>
               <a:pPr/>
-              <a:t>5/30/2021</a:t>
+              <a:t>8/3/2021</a:t>
             </a:fld>
             <a:endParaRPr lang="en-US" dirty="0"/>
           </a:p>
@@ -2616,7 +2621,7 @@
             <a:fld id="{B61BEF0D-F0BB-DE4B-95CE-6DB70DBA9567}" type="datetimeFigureOut">
               <a:rPr lang="en-US" dirty="0"/>
               <a:pPr/>
-              <a:t>5/30/2021</a:t>
+              <a:t>8/3/2021</a:t>
             </a:fld>
             <a:endParaRPr lang="en-US" dirty="0"/>
           </a:p>
@@ -2783,7 +2788,7 @@
             <a:fld id="{B61BEF0D-F0BB-DE4B-95CE-6DB70DBA9567}" type="datetimeFigureOut">
               <a:rPr lang="en-US" dirty="0"/>
               <a:pPr/>
-              <a:t>5/30/2021</a:t>
+              <a:t>8/3/2021</a:t>
             </a:fld>
             <a:endParaRPr lang="en-US" dirty="0"/>
           </a:p>
@@ -3030,7 +3035,7 @@
             <a:fld id="{B61BEF0D-F0BB-DE4B-95CE-6DB70DBA9567}" type="datetimeFigureOut">
               <a:rPr lang="en-US" dirty="0"/>
               <a:pPr/>
-              <a:t>5/30/2021</a:t>
+              <a:t>8/3/2021</a:t>
             </a:fld>
             <a:endParaRPr lang="en-US" dirty="0"/>
           </a:p>
@@ -3263,7 +3268,7 @@
             <a:fld id="{B61BEF0D-F0BB-DE4B-95CE-6DB70DBA9567}" type="datetimeFigureOut">
               <a:rPr lang="en-US" dirty="0"/>
               <a:pPr/>
-              <a:t>5/30/2021</a:t>
+              <a:t>8/3/2021</a:t>
             </a:fld>
             <a:endParaRPr lang="en-US" dirty="0"/>
           </a:p>
@@ -3642,7 +3647,7 @@
             <a:fld id="{B61BEF0D-F0BB-DE4B-95CE-6DB70DBA9567}" type="datetimeFigureOut">
               <a:rPr lang="en-US" dirty="0"/>
               <a:pPr/>
-              <a:t>5/30/2021</a:t>
+              <a:t>8/3/2021</a:t>
             </a:fld>
             <a:endParaRPr lang="en-US" dirty="0"/>
           </a:p>
@@ -3757,7 +3762,7 @@
             <a:fld id="{B61BEF0D-F0BB-DE4B-95CE-6DB70DBA9567}" type="datetimeFigureOut">
               <a:rPr lang="en-US" dirty="0"/>
               <a:pPr/>
-              <a:t>5/30/2021</a:t>
+              <a:t>8/3/2021</a:t>
             </a:fld>
             <a:endParaRPr lang="en-US" dirty="0"/>
           </a:p>
@@ -3849,7 +3854,7 @@
             <a:fld id="{B61BEF0D-F0BB-DE4B-95CE-6DB70DBA9567}" type="datetimeFigureOut">
               <a:rPr lang="en-US" dirty="0"/>
               <a:pPr/>
-              <a:t>5/30/2021</a:t>
+              <a:t>8/3/2021</a:t>
             </a:fld>
             <a:endParaRPr lang="en-US" dirty="0"/>
           </a:p>
@@ -4101,7 +4106,7 @@
             <a:fld id="{B61BEF0D-F0BB-DE4B-95CE-6DB70DBA9567}" type="datetimeFigureOut">
               <a:rPr lang="en-US" dirty="0"/>
               <a:pPr/>
-              <a:t>5/30/2021</a:t>
+              <a:t>8/3/2021</a:t>
             </a:fld>
             <a:endParaRPr lang="en-US" dirty="0"/>
           </a:p>
@@ -4381,7 +4386,7 @@
             <a:fld id="{B61BEF0D-F0BB-DE4B-95CE-6DB70DBA9567}" type="datetimeFigureOut">
               <a:rPr lang="en-US" dirty="0"/>
               <a:pPr/>
-              <a:t>5/30/2021</a:t>
+              <a:t>8/3/2021</a:t>
             </a:fld>
             <a:endParaRPr lang="en-US" dirty="0"/>
           </a:p>
@@ -4784,7 +4789,7 @@
             <a:fld id="{B61BEF0D-F0BB-DE4B-95CE-6DB70DBA9567}" type="datetimeFigureOut">
               <a:rPr lang="en-US" dirty="0"/>
               <a:pPr/>
-              <a:t>5/30/2021</a:t>
+              <a:t>8/3/2021</a:t>
             </a:fld>
             <a:endParaRPr lang="en-US" dirty="0"/>
           </a:p>
@@ -5362,7 +5367,12 @@
             <p:ph type="subTitle" idx="1"/>
           </p:nvPr>
         </p:nvSpPr>
-        <p:spPr/>
+        <p:spPr>
+          <a:xfrm>
+            <a:off x="684212" y="3843867"/>
+            <a:ext cx="6400800" cy="600117"/>
+          </a:xfrm>
+        </p:spPr>
         <p:txBody>
           <a:bodyPr>
             <a:normAutofit/>
@@ -5374,6 +5384,159 @@
               <a:t>Проект</a:t>
             </a:r>
             <a:endParaRPr lang="ru-RU" sz="2800" dirty="0"/>
+          </a:p>
+        </p:txBody>
+      </p:sp>
+      <p:sp>
+        <p:nvSpPr>
+          <p:cNvPr id="5" name="Прямоугольник 4"/>
+          <p:cNvSpPr/>
+          <p:nvPr/>
+        </p:nvSpPr>
+        <p:spPr>
+          <a:xfrm>
+            <a:off x="9445752" y="5532119"/>
+            <a:ext cx="2325563" cy="461665"/>
+          </a:xfrm>
+          <a:prstGeom prst="rect">
+            <a:avLst/>
+          </a:prstGeom>
+          <a:noFill/>
+        </p:spPr>
+        <p:txBody>
+          <a:bodyPr wrap="square" lIns="91440" tIns="45720" rIns="91440" bIns="45720">
+            <a:spAutoFit/>
+          </a:bodyPr>
+          <a:lstStyle/>
+          <a:p>
+            <a:pPr algn="ctr"/>
+            <a:r>
+              <a:rPr lang="en-US" sz="2400" b="1" dirty="0" err="1" smtClean="0">
+                <a:ln w="9525">
+                  <a:solidFill>
+                    <a:schemeClr val="bg1"/>
+                  </a:solidFill>
+                  <a:prstDash val="solid"/>
+                </a:ln>
+                <a:effectLst>
+                  <a:outerShdw blurRad="12700" dist="38100" dir="2700000" algn="tl" rotWithShape="0">
+                    <a:schemeClr val="bg1">
+                      <a:lumMod val="50000"/>
+                    </a:schemeClr>
+                  </a:outerShdw>
+                </a:effectLst>
+              </a:rPr>
+              <a:t>Pshikov</a:t>
+            </a:r>
+            <a:r>
+              <a:rPr lang="en-US" sz="2400" b="1" dirty="0" smtClean="0">
+                <a:ln w="9525">
+                  <a:solidFill>
+                    <a:schemeClr val="bg1"/>
+                  </a:solidFill>
+                  <a:prstDash val="solid"/>
+                </a:ln>
+                <a:effectLst>
+                  <a:outerShdw blurRad="12700" dist="38100" dir="2700000" algn="tl" rotWithShape="0">
+                    <a:schemeClr val="bg1">
+                      <a:lumMod val="50000"/>
+                    </a:schemeClr>
+                  </a:outerShdw>
+                </a:effectLst>
+              </a:rPr>
+              <a:t> I.E.</a:t>
+            </a:r>
+            <a:endParaRPr lang="ru-RU" sz="2400" b="1" dirty="0">
+              <a:ln w="9525">
+                <a:solidFill>
+                  <a:schemeClr val="bg1"/>
+                </a:solidFill>
+                <a:prstDash val="solid"/>
+              </a:ln>
+              <a:effectLst>
+                <a:outerShdw blurRad="12700" dist="38100" dir="2700000" algn="tl" rotWithShape="0">
+                  <a:schemeClr val="bg1">
+                    <a:lumMod val="50000"/>
+                  </a:schemeClr>
+                </a:outerShdw>
+              </a:effectLst>
+            </a:endParaRPr>
+          </a:p>
+        </p:txBody>
+      </p:sp>
+      <p:sp>
+        <p:nvSpPr>
+          <p:cNvPr id="7" name="Прямоугольник 6"/>
+          <p:cNvSpPr/>
+          <p:nvPr/>
+        </p:nvSpPr>
+        <p:spPr>
+          <a:xfrm>
+            <a:off x="8976235" y="5162787"/>
+            <a:ext cx="3039615" cy="369332"/>
+          </a:xfrm>
+          <a:prstGeom prst="rect">
+            <a:avLst/>
+          </a:prstGeom>
+        </p:spPr>
+        <p:txBody>
+          <a:bodyPr wrap="none">
+            <a:spAutoFit/>
+          </a:bodyPr>
+          <a:lstStyle/>
+          <a:p>
+            <a:pPr algn="ctr"/>
+            <a:r>
+              <a:rPr lang="ru-RU" b="1" dirty="0" smtClean="0">
+                <a:ln w="9525">
+                  <a:solidFill>
+                    <a:schemeClr val="bg1"/>
+                  </a:solidFill>
+                  <a:prstDash val="solid"/>
+                </a:ln>
+                <a:effectLst>
+                  <a:outerShdw blurRad="12700" dist="38100" dir="2700000" algn="tl" rotWithShape="0">
+                    <a:schemeClr val="bg1">
+                      <a:lumMod val="50000"/>
+                    </a:schemeClr>
+                  </a:outerShdw>
+                </a:effectLst>
+              </a:rPr>
+              <a:t>Курс: </a:t>
+            </a:r>
+            <a:r>
+              <a:rPr lang="en-US" b="1" dirty="0" smtClean="0">
+                <a:ln w="9525">
+                  <a:solidFill>
+                    <a:schemeClr val="bg1"/>
+                  </a:solidFill>
+                  <a:prstDash val="solid"/>
+                </a:ln>
+                <a:effectLst>
+                  <a:outerShdw blurRad="12700" dist="38100" dir="2700000" algn="tl" rotWithShape="0">
+                    <a:schemeClr val="bg1">
+                      <a:lumMod val="50000"/>
+                    </a:schemeClr>
+                  </a:outerShdw>
+                </a:effectLst>
+              </a:rPr>
+              <a:t>otus-mssql-2021-03</a:t>
+            </a:r>
+            <a:endParaRPr lang="ru-RU" b="1" dirty="0">
+              <a:ln w="9525">
+                <a:solidFill>
+                  <a:schemeClr val="bg1"/>
+                </a:solidFill>
+                <a:prstDash val="solid"/>
+              </a:ln>
+              <a:effectLst>
+                <a:outerShdw blurRad="12700" dist="38100" dir="2700000" algn="tl" rotWithShape="0">
+                  <a:schemeClr val="bg1">
+                    <a:lumMod val="50000"/>
+                  </a:schemeClr>
+                </a:outerShdw>
+              </a:effectLst>
+            </a:endParaRPr>
           </a:p>
         </p:txBody>
       </p:sp>
@@ -5432,7 +5595,7 @@
         </p:spPr>
         <p:txBody>
           <a:bodyPr>
-            <a:normAutofit lnSpcReduction="10000"/>
+            <a:normAutofit fontScale="77500" lnSpcReduction="20000"/>
           </a:bodyPr>
           <a:lstStyle/>
           <a:p>
@@ -5460,9 +5623,14 @@
           </a:p>
           <a:p>
             <a:r>
+              <a:rPr lang="ru-RU" b="1" dirty="0"/>
+              <a:t>Основные </a:t>
+            </a:r>
+            <a:r>
               <a:rPr lang="ru-RU" b="1" dirty="0" smtClean="0"/>
-              <a:t>Основные моменты:</a:t>
-            </a:r>
+              <a:t>цели:</a:t>
+            </a:r>
+            <a:endParaRPr lang="ru-RU" b="1" dirty="0"/>
           </a:p>
           <a:p>
             <a:pPr marL="457200" indent="-457200">
@@ -5471,7 +5639,7 @@
             </a:pPr>
             <a:r>
               <a:rPr lang="ru-RU" dirty="0" smtClean="0"/>
-              <a:t>Ведение справочника организаций. Организация поиска.</a:t>
+              <a:t>Применить полученные знания на курсе</a:t>
             </a:r>
           </a:p>
           <a:p>
@@ -5481,7 +5649,43 @@
             </a:pPr>
             <a:r>
               <a:rPr lang="ru-RU" dirty="0" smtClean="0"/>
-              <a:t>Учет договоров заключенных с юридическими лицами.</a:t>
+              <a:t>Рассмотреть возможность использования </a:t>
+            </a:r>
+            <a:r>
+              <a:rPr lang="en-US" dirty="0" err="1" smtClean="0"/>
+              <a:t>Servi</a:t>
+            </a:r>
+            <a:r>
+              <a:rPr lang="ru-RU" dirty="0" smtClean="0"/>
+              <a:t>с</a:t>
+            </a:r>
+            <a:r>
+              <a:rPr lang="en-US" dirty="0" smtClean="0"/>
+              <a:t>e </a:t>
+            </a:r>
+            <a:r>
+              <a:rPr lang="en-US" dirty="0" err="1" smtClean="0"/>
+              <a:t>Brocker</a:t>
+            </a:r>
+            <a:r>
+              <a:rPr lang="en-US" dirty="0" smtClean="0"/>
+              <a:t> </a:t>
+            </a:r>
+            <a:r>
+              <a:rPr lang="ru-RU" dirty="0" smtClean="0"/>
+              <a:t>и Секционирование таблиц в демонстрационном проекте.</a:t>
+            </a:r>
+          </a:p>
+          <a:p>
+            <a:pPr marL="0" indent="0">
+              <a:buNone/>
+            </a:pPr>
+            <a:endParaRPr lang="ru-RU" dirty="0"/>
+          </a:p>
+          <a:p>
+            <a:r>
+              <a:rPr lang="ru-RU" b="1" dirty="0" smtClean="0"/>
+              <a:t>Основные моменты бизнес процессов:</a:t>
             </a:r>
           </a:p>
           <a:p>
@@ -5491,7 +5695,7 @@
             </a:pPr>
             <a:r>
               <a:rPr lang="ru-RU" dirty="0" smtClean="0"/>
-              <a:t>Расчет объемов и стоимости отпущенной электроэнергии в разрезе лицевых счетов.</a:t>
+              <a:t>Ведение справочника организаций. Организация поиска.</a:t>
             </a:r>
           </a:p>
           <a:p>
@@ -5501,7 +5705,7 @@
             </a:pPr>
             <a:r>
               <a:rPr lang="ru-RU" dirty="0" smtClean="0"/>
-              <a:t>Прием и обработка показаний приборов учета электрической энергии.</a:t>
+              <a:t>Учет договоров заключенных с юридическими лицами.</a:t>
             </a:r>
           </a:p>
           <a:p>
@@ -5511,7 +5715,7 @@
             </a:pPr>
             <a:r>
               <a:rPr lang="ru-RU" dirty="0" smtClean="0"/>
-              <a:t>Ежемесячное выставление комплектов документов первичной бухгалтерской отчетности.</a:t>
+              <a:t>Расчет объемов и стоимости отпущенной электроэнергии в разрезе лицевых счетов.</a:t>
             </a:r>
           </a:p>
           <a:p>
@@ -5521,15 +5725,7 @@
             </a:pPr>
             <a:r>
               <a:rPr lang="ru-RU" dirty="0" smtClean="0"/>
-              <a:t>Ведение журнала изменений в разрезе пользователей. </a:t>
-            </a:r>
-            <a:r>
-              <a:rPr lang="ru-RU" dirty="0" err="1" smtClean="0"/>
-              <a:t>Логирование</a:t>
-            </a:r>
-            <a:r>
-              <a:rPr lang="ru-RU" dirty="0" smtClean="0"/>
-              <a:t> изменений на договорах и лицевых счетах.</a:t>
+              <a:t>Прием и обработка показаний приборов учета электрической энергии.</a:t>
             </a:r>
           </a:p>
           <a:p>
@@ -5538,10 +5734,37 @@
               <a:buAutoNum type="arabicPeriod"/>
             </a:pPr>
             <a:r>
-              <a:rPr lang="ru-RU" smtClean="0"/>
+              <a:rPr lang="ru-RU" dirty="0" smtClean="0"/>
+              <a:t>Ежемесячное выставление комплектов документов первичной бухгалтерской отчетности.</a:t>
+            </a:r>
+          </a:p>
+          <a:p>
+            <a:pPr marL="457200" indent="-457200">
+              <a:buFont typeface="+mj-lt"/>
+              <a:buAutoNum type="arabicPeriod"/>
+            </a:pPr>
+            <a:r>
+              <a:rPr lang="ru-RU" dirty="0" smtClean="0"/>
+              <a:t>Ведение журнала изменений в разрезе пользователей. </a:t>
+            </a:r>
+            <a:r>
+              <a:rPr lang="ru-RU" dirty="0" err="1" smtClean="0"/>
+              <a:t>Логирование</a:t>
+            </a:r>
+            <a:r>
+              <a:rPr lang="ru-RU" dirty="0" smtClean="0"/>
+              <a:t> изменений на договорах и лицевых счетах.</a:t>
+            </a:r>
+          </a:p>
+          <a:p>
+            <a:pPr marL="457200" indent="-457200">
+              <a:buFont typeface="+mj-lt"/>
+              <a:buAutoNum type="arabicPeriod"/>
+            </a:pPr>
+            <a:r>
+              <a:rPr lang="ru-RU" dirty="0" smtClean="0"/>
               <a:t>Формирование отчетов.</a:t>
             </a:r>
-            <a:endParaRPr lang="ru-RU" dirty="0" smtClean="0"/>
           </a:p>
           <a:p>
             <a:pPr marL="0" indent="0">
@@ -5571,6 +5794,491 @@
       </p:par>
     </p:tnLst>
   </p:timing>
+</p:sld>
+</file>
+
+<file path=ppt/slides/slide3.xml><?xml version="1.0" encoding="utf-8"?>
+<p:sld xmlns:a="http://schemas.openxmlformats.org/drawingml/2006/main" xmlns:r="http://schemas.openxmlformats.org/officeDocument/2006/relationships" xmlns:p="http://schemas.openxmlformats.org/presentationml/2006/main">
+  <p:cSld>
+    <p:spTree>
+      <p:nvGrpSpPr>
+        <p:cNvPr id="1" name=""/>
+        <p:cNvGrpSpPr/>
+        <p:nvPr/>
+      </p:nvGrpSpPr>
+      <p:grpSpPr>
+        <a:xfrm>
+          <a:off x="0" y="0"/>
+          <a:ext cx="0" cy="0"/>
+          <a:chOff x="0" y="0"/>
+          <a:chExt cx="0" cy="0"/>
+        </a:xfrm>
+      </p:grpSpPr>
+      <p:sp>
+        <p:nvSpPr>
+          <p:cNvPr id="2" name="Заголовок 1"/>
+          <p:cNvSpPr>
+            <a:spLocks noGrp="1"/>
+          </p:cNvSpPr>
+          <p:nvPr>
+            <p:ph type="title"/>
+          </p:nvPr>
+        </p:nvSpPr>
+        <p:spPr>
+          <a:xfrm>
+            <a:off x="2522156" y="98213"/>
+            <a:ext cx="5972620" cy="496148"/>
+          </a:xfrm>
+        </p:spPr>
+        <p:txBody>
+          <a:bodyPr>
+            <a:normAutofit fontScale="90000"/>
+          </a:bodyPr>
+          <a:lstStyle/>
+          <a:p>
+            <a:r>
+              <a:rPr lang="ru-RU" dirty="0" smtClean="0"/>
+              <a:t>Архитектура Базы данных</a:t>
+            </a:r>
+            <a:endParaRPr lang="ru-RU" dirty="0"/>
+          </a:p>
+        </p:txBody>
+      </p:sp>
+      <p:pic>
+        <p:nvPicPr>
+          <p:cNvPr id="4" name="Объект 3"/>
+          <p:cNvPicPr>
+            <a:picLocks noGrp="1" noChangeAspect="1"/>
+          </p:cNvPicPr>
+          <p:nvPr>
+            <p:ph idx="1"/>
+          </p:nvPr>
+        </p:nvPicPr>
+        <p:blipFill>
+          <a:blip r:embed="rId2">
+            <a:extLst>
+              <a:ext uri="{28A0092B-C50C-407E-A947-70E740481C1C}">
+                <a14:useLocalDpi xmlns:a14="http://schemas.microsoft.com/office/drawing/2010/main" val="0"/>
+              </a:ext>
+            </a:extLst>
+          </a:blip>
+          <a:stretch>
+            <a:fillRect/>
+          </a:stretch>
+        </p:blipFill>
+        <p:spPr>
+          <a:xfrm>
+            <a:off x="137160" y="594361"/>
+            <a:ext cx="11868912" cy="6050866"/>
+          </a:xfrm>
+        </p:spPr>
+      </p:pic>
+    </p:spTree>
+    <p:extLst>
+      <p:ext uri="{BB962C8B-B14F-4D97-AF65-F5344CB8AC3E}">
+        <p14:creationId xmlns:p14="http://schemas.microsoft.com/office/powerpoint/2010/main" val="1827443289"/>
+      </p:ext>
+    </p:extLst>
+  </p:cSld>
+  <p:clrMapOvr>
+    <a:masterClrMapping/>
+  </p:clrMapOvr>
+  <p:timing>
+    <p:tnLst>
+      <p:par>
+        <p:cTn id="1" dur="indefinite" restart="never" nodeType="tmRoot"/>
+      </p:par>
+    </p:tnLst>
+  </p:timing>
+</p:sld>
+</file>
+
+<file path=ppt/slides/slide4.xml><?xml version="1.0" encoding="utf-8"?>
+<p:sld xmlns:a="http://schemas.openxmlformats.org/drawingml/2006/main" xmlns:r="http://schemas.openxmlformats.org/officeDocument/2006/relationships" xmlns:p="http://schemas.openxmlformats.org/presentationml/2006/main">
+  <p:cSld>
+    <p:spTree>
+      <p:nvGrpSpPr>
+        <p:cNvPr id="1" name=""/>
+        <p:cNvGrpSpPr/>
+        <p:nvPr/>
+      </p:nvGrpSpPr>
+      <p:grpSpPr>
+        <a:xfrm>
+          <a:off x="0" y="0"/>
+          <a:ext cx="0" cy="0"/>
+          <a:chOff x="0" y="0"/>
+          <a:chExt cx="0" cy="0"/>
+        </a:xfrm>
+      </p:grpSpPr>
+      <p:sp>
+        <p:nvSpPr>
+          <p:cNvPr id="2" name="Заголовок 1"/>
+          <p:cNvSpPr>
+            <a:spLocks noGrp="1"/>
+          </p:cNvSpPr>
+          <p:nvPr>
+            <p:ph type="ctrTitle"/>
+          </p:nvPr>
+        </p:nvSpPr>
+        <p:spPr>
+          <a:xfrm>
+            <a:off x="446468" y="347472"/>
+            <a:ext cx="11559604" cy="3236976"/>
+          </a:xfrm>
+        </p:spPr>
+        <p:txBody>
+          <a:bodyPr>
+            <a:noAutofit/>
+          </a:bodyPr>
+          <a:lstStyle/>
+          <a:p>
+            <a:r>
+              <a:rPr lang="ru-RU" sz="2400" dirty="0" smtClean="0"/>
+              <a:t>Для демонстрации использования </a:t>
+            </a:r>
+            <a:r>
+              <a:rPr lang="en-US" sz="2400" dirty="0" err="1" smtClean="0"/>
+              <a:t>Servi</a:t>
+            </a:r>
+            <a:r>
+              <a:rPr lang="ru-RU" sz="2400" dirty="0"/>
+              <a:t>с</a:t>
+            </a:r>
+            <a:r>
+              <a:rPr lang="en-US" sz="2400" dirty="0"/>
+              <a:t>e </a:t>
+            </a:r>
+            <a:r>
+              <a:rPr lang="en-US" sz="2400" dirty="0" err="1" smtClean="0"/>
+              <a:t>Brocker</a:t>
+            </a:r>
+            <a:r>
+              <a:rPr lang="ru-RU" sz="2400" dirty="0" smtClean="0"/>
+              <a:t>а и Секционировании Таблиц, В качестве примера, была использована таблиц</a:t>
+            </a:r>
+            <a:r>
+              <a:rPr lang="ru-RU" sz="2400" dirty="0"/>
+              <a:t>а</a:t>
+            </a:r>
+            <a:r>
+              <a:rPr lang="ru-RU" sz="2400" dirty="0" smtClean="0"/>
+              <a:t> большая таблица </a:t>
+            </a:r>
+            <a:r>
+              <a:rPr lang="ru-RU" sz="2400" b="1" i="1" dirty="0" smtClean="0"/>
+              <a:t>«Журнал Изменений»</a:t>
+            </a:r>
+            <a:r>
+              <a:rPr lang="ru-RU" sz="2400" dirty="0" smtClean="0"/>
+              <a:t>, которая расположена в отдельной файловой группе на отдельном жестком диске</a:t>
+            </a:r>
+            <a:endParaRPr lang="ru-RU" sz="2400" dirty="0"/>
+          </a:p>
+        </p:txBody>
+      </p:sp>
+      <p:sp>
+        <p:nvSpPr>
+          <p:cNvPr id="3" name="Подзаголовок 2"/>
+          <p:cNvSpPr>
+            <a:spLocks noGrp="1"/>
+          </p:cNvSpPr>
+          <p:nvPr>
+            <p:ph type="subTitle" idx="1"/>
+          </p:nvPr>
+        </p:nvSpPr>
+        <p:spPr>
+          <a:xfrm>
+            <a:off x="556196" y="4211659"/>
+            <a:ext cx="3832924" cy="563541"/>
+          </a:xfrm>
+        </p:spPr>
+        <p:txBody>
+          <a:bodyPr>
+            <a:normAutofit fontScale="77500" lnSpcReduction="20000"/>
+          </a:bodyPr>
+          <a:lstStyle/>
+          <a:p>
+            <a:r>
+              <a:rPr lang="ru-RU" dirty="0" smtClean="0"/>
+              <a:t>Результат запроса информации по секционным таблицам в БД</a:t>
+            </a:r>
+            <a:endParaRPr lang="ru-RU" dirty="0"/>
+          </a:p>
+        </p:txBody>
+      </p:sp>
+      <p:pic>
+        <p:nvPicPr>
+          <p:cNvPr id="4" name="Рисунок 3"/>
+          <p:cNvPicPr>
+            <a:picLocks noChangeAspect="1"/>
+          </p:cNvPicPr>
+          <p:nvPr/>
+        </p:nvPicPr>
+        <p:blipFill>
+          <a:blip r:embed="rId2"/>
+          <a:stretch>
+            <a:fillRect/>
+          </a:stretch>
+        </p:blipFill>
+        <p:spPr>
+          <a:xfrm>
+            <a:off x="556196" y="4775200"/>
+            <a:ext cx="3832969" cy="1259840"/>
+          </a:xfrm>
+          <a:prstGeom prst="rect">
+            <a:avLst/>
+          </a:prstGeom>
+        </p:spPr>
+      </p:pic>
+    </p:spTree>
+    <p:extLst>
+      <p:ext uri="{BB962C8B-B14F-4D97-AF65-F5344CB8AC3E}">
+        <p14:creationId xmlns:p14="http://schemas.microsoft.com/office/powerpoint/2010/main" val="836121979"/>
+      </p:ext>
+    </p:extLst>
+  </p:cSld>
+  <p:clrMapOvr>
+    <a:masterClrMapping/>
+  </p:clrMapOvr>
+</p:sld>
+</file>
+
+<file path=ppt/slides/slide5.xml><?xml version="1.0" encoding="utf-8"?>
+<p:sld xmlns:a="http://schemas.openxmlformats.org/drawingml/2006/main" xmlns:r="http://schemas.openxmlformats.org/officeDocument/2006/relationships" xmlns:p="http://schemas.openxmlformats.org/presentationml/2006/main">
+  <p:cSld>
+    <p:spTree>
+      <p:nvGrpSpPr>
+        <p:cNvPr id="1" name=""/>
+        <p:cNvGrpSpPr/>
+        <p:nvPr/>
+      </p:nvGrpSpPr>
+      <p:grpSpPr>
+        <a:xfrm>
+          <a:off x="0" y="0"/>
+          <a:ext cx="0" cy="0"/>
+          <a:chOff x="0" y="0"/>
+          <a:chExt cx="0" cy="0"/>
+        </a:xfrm>
+      </p:grpSpPr>
+      <p:sp>
+        <p:nvSpPr>
+          <p:cNvPr id="2" name="Заголовок 1"/>
+          <p:cNvSpPr>
+            <a:spLocks noGrp="1"/>
+          </p:cNvSpPr>
+          <p:nvPr>
+            <p:ph type="title"/>
+          </p:nvPr>
+        </p:nvSpPr>
+        <p:spPr>
+          <a:xfrm>
+            <a:off x="3209544" y="2338492"/>
+            <a:ext cx="5907024" cy="1507067"/>
+          </a:xfrm>
+        </p:spPr>
+        <p:txBody>
+          <a:bodyPr/>
+          <a:lstStyle/>
+          <a:p>
+            <a:r>
+              <a:rPr lang="ru-RU" dirty="0" smtClean="0"/>
+              <a:t>Д е м о н с т р а ц и я</a:t>
+            </a:r>
+            <a:endParaRPr lang="ru-RU" dirty="0"/>
+          </a:p>
+        </p:txBody>
+      </p:sp>
+    </p:spTree>
+    <p:extLst>
+      <p:ext uri="{BB962C8B-B14F-4D97-AF65-F5344CB8AC3E}">
+        <p14:creationId xmlns:p14="http://schemas.microsoft.com/office/powerpoint/2010/main" val="2687064869"/>
+      </p:ext>
+    </p:extLst>
+  </p:cSld>
+  <p:clrMapOvr>
+    <a:masterClrMapping/>
+  </p:clrMapOvr>
+  <p:timing>
+    <p:tnLst>
+      <p:par>
+        <p:cTn id="1" dur="indefinite" restart="never" nodeType="tmRoot"/>
+      </p:par>
+    </p:tnLst>
+  </p:timing>
+</p:sld>
+</file>
+
+<file path=ppt/slides/slide6.xml><?xml version="1.0" encoding="utf-8"?>
+<p:sld xmlns:a="http://schemas.openxmlformats.org/drawingml/2006/main" xmlns:r="http://schemas.openxmlformats.org/officeDocument/2006/relationships" xmlns:p="http://schemas.openxmlformats.org/presentationml/2006/main">
+  <p:cSld>
+    <p:spTree>
+      <p:nvGrpSpPr>
+        <p:cNvPr id="1" name=""/>
+        <p:cNvGrpSpPr/>
+        <p:nvPr/>
+      </p:nvGrpSpPr>
+      <p:grpSpPr>
+        <a:xfrm>
+          <a:off x="0" y="0"/>
+          <a:ext cx="0" cy="0"/>
+          <a:chOff x="0" y="0"/>
+          <a:chExt cx="0" cy="0"/>
+        </a:xfrm>
+      </p:grpSpPr>
+      <p:sp>
+        <p:nvSpPr>
+          <p:cNvPr id="4" name="Заголовок 3"/>
+          <p:cNvSpPr>
+            <a:spLocks noGrp="1"/>
+          </p:cNvSpPr>
+          <p:nvPr>
+            <p:ph type="title"/>
+          </p:nvPr>
+        </p:nvSpPr>
+        <p:spPr>
+          <a:xfrm>
+            <a:off x="380189" y="143932"/>
+            <a:ext cx="11552731" cy="782933"/>
+          </a:xfrm>
+        </p:spPr>
+        <p:txBody>
+          <a:bodyPr/>
+          <a:lstStyle/>
+          <a:p>
+            <a:r>
+              <a:rPr lang="ru-RU" dirty="0" smtClean="0"/>
+              <a:t>Примеры визуализации информации в БД</a:t>
+            </a:r>
+            <a:endParaRPr lang="ru-RU" dirty="0"/>
+          </a:p>
+        </p:txBody>
+      </p:sp>
+      <p:pic>
+        <p:nvPicPr>
+          <p:cNvPr id="7" name="Объект 6"/>
+          <p:cNvPicPr>
+            <a:picLocks noGrp="1" noChangeAspect="1"/>
+          </p:cNvPicPr>
+          <p:nvPr>
+            <p:ph sz="half" idx="1"/>
+          </p:nvPr>
+        </p:nvPicPr>
+        <p:blipFill>
+          <a:blip r:embed="rId2">
+            <a:extLst>
+              <a:ext uri="{28A0092B-C50C-407E-A947-70E740481C1C}">
+                <a14:useLocalDpi xmlns:a14="http://schemas.microsoft.com/office/drawing/2010/main" val="0"/>
+              </a:ext>
+            </a:extLst>
+          </a:blip>
+          <a:stretch>
+            <a:fillRect/>
+          </a:stretch>
+        </p:blipFill>
+        <p:spPr>
+          <a:xfrm>
+            <a:off x="115013" y="855470"/>
+            <a:ext cx="11819618" cy="3305049"/>
+          </a:xfrm>
+        </p:spPr>
+      </p:pic>
+      <p:pic>
+        <p:nvPicPr>
+          <p:cNvPr id="8" name="Объект 7"/>
+          <p:cNvPicPr>
+            <a:picLocks noGrp="1" noChangeAspect="1"/>
+          </p:cNvPicPr>
+          <p:nvPr>
+            <p:ph sz="half" idx="2"/>
+          </p:nvPr>
+        </p:nvPicPr>
+        <p:blipFill>
+          <a:blip r:embed="rId3">
+            <a:extLst>
+              <a:ext uri="{28A0092B-C50C-407E-A947-70E740481C1C}">
+                <a14:useLocalDpi xmlns:a14="http://schemas.microsoft.com/office/drawing/2010/main" val="0"/>
+              </a:ext>
+            </a:extLst>
+          </a:blip>
+          <a:stretch>
+            <a:fillRect/>
+          </a:stretch>
+        </p:blipFill>
+        <p:spPr>
+          <a:xfrm>
+            <a:off x="1688636" y="4240713"/>
+            <a:ext cx="8672371" cy="2513477"/>
+          </a:xfrm>
+        </p:spPr>
+      </p:pic>
+    </p:spTree>
+    <p:extLst>
+      <p:ext uri="{BB962C8B-B14F-4D97-AF65-F5344CB8AC3E}">
+        <p14:creationId xmlns:p14="http://schemas.microsoft.com/office/powerpoint/2010/main" val="2027809501"/>
+      </p:ext>
+    </p:extLst>
+  </p:cSld>
+  <p:clrMapOvr>
+    <a:masterClrMapping/>
+  </p:clrMapOvr>
+</p:sld>
+</file>
+
+<file path=ppt/slides/slide7.xml><?xml version="1.0" encoding="utf-8"?>
+<p:sld xmlns:a="http://schemas.openxmlformats.org/drawingml/2006/main" xmlns:r="http://schemas.openxmlformats.org/officeDocument/2006/relationships" xmlns:p="http://schemas.openxmlformats.org/presentationml/2006/main">
+  <p:cSld>
+    <p:spTree>
+      <p:nvGrpSpPr>
+        <p:cNvPr id="1" name=""/>
+        <p:cNvGrpSpPr/>
+        <p:nvPr/>
+      </p:nvGrpSpPr>
+      <p:grpSpPr>
+        <a:xfrm>
+          <a:off x="0" y="0"/>
+          <a:ext cx="0" cy="0"/>
+          <a:chOff x="0" y="0"/>
+          <a:chExt cx="0" cy="0"/>
+        </a:xfrm>
+      </p:grpSpPr>
+      <p:sp>
+        <p:nvSpPr>
+          <p:cNvPr id="2" name="Заголовок 1"/>
+          <p:cNvSpPr>
+            <a:spLocks noGrp="1"/>
+          </p:cNvSpPr>
+          <p:nvPr>
+            <p:ph type="title"/>
+          </p:nvPr>
+        </p:nvSpPr>
+        <p:spPr>
+          <a:xfrm>
+            <a:off x="2549588" y="2411644"/>
+            <a:ext cx="8534400" cy="1507067"/>
+          </a:xfrm>
+        </p:spPr>
+        <p:txBody>
+          <a:bodyPr/>
+          <a:lstStyle/>
+          <a:p>
+            <a:r>
+              <a:rPr lang="ru-RU" dirty="0" smtClean="0"/>
+              <a:t>Спасибо за внимание!</a:t>
+            </a:r>
+            <a:endParaRPr lang="ru-RU" dirty="0"/>
+          </a:p>
+        </p:txBody>
+      </p:sp>
+    </p:spTree>
+    <p:extLst>
+      <p:ext uri="{BB962C8B-B14F-4D97-AF65-F5344CB8AC3E}">
+        <p14:creationId xmlns:p14="http://schemas.microsoft.com/office/powerpoint/2010/main" val="1038976143"/>
+      </p:ext>
+    </p:extLst>
+  </p:cSld>
+  <p:clrMapOvr>
+    <a:masterClrMapping/>
+  </p:clrMapOvr>
 </p:sld>
 </file>
 

--- a/MyProject/Презентация моего проекта Sbyt (PshikovIE).pptx
+++ b/MyProject/Презентация моего проекта Sbyt (PshikovIE).pptx
@@ -310,7 +310,7 @@
             <a:fld id="{B61BEF0D-F0BB-DE4B-95CE-6DB70DBA9567}" type="datetimeFigureOut">
               <a:rPr lang="en-US" dirty="0"/>
               <a:pPr/>
-              <a:t>8/3/2021</a:t>
+              <a:t>8/13/2021</a:t>
             </a:fld>
             <a:endParaRPr lang="en-US" dirty="0"/>
           </a:p>
@@ -743,7 +743,7 @@
             <a:fld id="{B61BEF0D-F0BB-DE4B-95CE-6DB70DBA9567}" type="datetimeFigureOut">
               <a:rPr lang="en-US" dirty="0"/>
               <a:pPr/>
-              <a:t>8/3/2021</a:t>
+              <a:t>8/13/2021</a:t>
             </a:fld>
             <a:endParaRPr lang="en-US" dirty="0"/>
           </a:p>
@@ -990,7 +990,7 @@
             <a:fld id="{B61BEF0D-F0BB-DE4B-95CE-6DB70DBA9567}" type="datetimeFigureOut">
               <a:rPr lang="en-US" dirty="0"/>
               <a:pPr/>
-              <a:t>8/3/2021</a:t>
+              <a:t>8/13/2021</a:t>
             </a:fld>
             <a:endParaRPr lang="en-US" dirty="0"/>
           </a:p>
@@ -1295,7 +1295,7 @@
             <a:fld id="{B61BEF0D-F0BB-DE4B-95CE-6DB70DBA9567}" type="datetimeFigureOut">
               <a:rPr lang="en-US" dirty="0"/>
               <a:pPr/>
-              <a:t>8/3/2021</a:t>
+              <a:t>8/13/2021</a:t>
             </a:fld>
             <a:endParaRPr lang="en-US" dirty="0"/>
           </a:p>
@@ -1610,7 +1610,7 @@
             <a:fld id="{B61BEF0D-F0BB-DE4B-95CE-6DB70DBA9567}" type="datetimeFigureOut">
               <a:rPr lang="en-US" dirty="0"/>
               <a:pPr/>
-              <a:t>8/3/2021</a:t>
+              <a:t>8/13/2021</a:t>
             </a:fld>
             <a:endParaRPr lang="en-US" dirty="0"/>
           </a:p>
@@ -1909,7 +1909,7 @@
             <a:fld id="{B61BEF0D-F0BB-DE4B-95CE-6DB70DBA9567}" type="datetimeFigureOut">
               <a:rPr lang="en-US" dirty="0"/>
               <a:pPr/>
-              <a:t>8/3/2021</a:t>
+              <a:t>8/13/2021</a:t>
             </a:fld>
             <a:endParaRPr lang="en-US" dirty="0"/>
           </a:p>
@@ -2273,7 +2273,7 @@
             <a:fld id="{B61BEF0D-F0BB-DE4B-95CE-6DB70DBA9567}" type="datetimeFigureOut">
               <a:rPr lang="en-US" dirty="0"/>
               <a:pPr/>
-              <a:t>8/3/2021</a:t>
+              <a:t>8/13/2021</a:t>
             </a:fld>
             <a:endParaRPr lang="en-US" dirty="0"/>
           </a:p>
@@ -2444,7 +2444,7 @@
             <a:fld id="{B61BEF0D-F0BB-DE4B-95CE-6DB70DBA9567}" type="datetimeFigureOut">
               <a:rPr lang="en-US" dirty="0"/>
               <a:pPr/>
-              <a:t>8/3/2021</a:t>
+              <a:t>8/13/2021</a:t>
             </a:fld>
             <a:endParaRPr lang="en-US" dirty="0"/>
           </a:p>
@@ -2621,7 +2621,7 @@
             <a:fld id="{B61BEF0D-F0BB-DE4B-95CE-6DB70DBA9567}" type="datetimeFigureOut">
               <a:rPr lang="en-US" dirty="0"/>
               <a:pPr/>
-              <a:t>8/3/2021</a:t>
+              <a:t>8/13/2021</a:t>
             </a:fld>
             <a:endParaRPr lang="en-US" dirty="0"/>
           </a:p>
@@ -2788,7 +2788,7 @@
             <a:fld id="{B61BEF0D-F0BB-DE4B-95CE-6DB70DBA9567}" type="datetimeFigureOut">
               <a:rPr lang="en-US" dirty="0"/>
               <a:pPr/>
-              <a:t>8/3/2021</a:t>
+              <a:t>8/13/2021</a:t>
             </a:fld>
             <a:endParaRPr lang="en-US" dirty="0"/>
           </a:p>
@@ -3035,7 +3035,7 @@
             <a:fld id="{B61BEF0D-F0BB-DE4B-95CE-6DB70DBA9567}" type="datetimeFigureOut">
               <a:rPr lang="en-US" dirty="0"/>
               <a:pPr/>
-              <a:t>8/3/2021</a:t>
+              <a:t>8/13/2021</a:t>
             </a:fld>
             <a:endParaRPr lang="en-US" dirty="0"/>
           </a:p>
@@ -3268,7 +3268,7 @@
             <a:fld id="{B61BEF0D-F0BB-DE4B-95CE-6DB70DBA9567}" type="datetimeFigureOut">
               <a:rPr lang="en-US" dirty="0"/>
               <a:pPr/>
-              <a:t>8/3/2021</a:t>
+              <a:t>8/13/2021</a:t>
             </a:fld>
             <a:endParaRPr lang="en-US" dirty="0"/>
           </a:p>
@@ -3647,7 +3647,7 @@
             <a:fld id="{B61BEF0D-F0BB-DE4B-95CE-6DB70DBA9567}" type="datetimeFigureOut">
               <a:rPr lang="en-US" dirty="0"/>
               <a:pPr/>
-              <a:t>8/3/2021</a:t>
+              <a:t>8/13/2021</a:t>
             </a:fld>
             <a:endParaRPr lang="en-US" dirty="0"/>
           </a:p>
@@ -3762,7 +3762,7 @@
             <a:fld id="{B61BEF0D-F0BB-DE4B-95CE-6DB70DBA9567}" type="datetimeFigureOut">
               <a:rPr lang="en-US" dirty="0"/>
               <a:pPr/>
-              <a:t>8/3/2021</a:t>
+              <a:t>8/13/2021</a:t>
             </a:fld>
             <a:endParaRPr lang="en-US" dirty="0"/>
           </a:p>
@@ -3854,7 +3854,7 @@
             <a:fld id="{B61BEF0D-F0BB-DE4B-95CE-6DB70DBA9567}" type="datetimeFigureOut">
               <a:rPr lang="en-US" dirty="0"/>
               <a:pPr/>
-              <a:t>8/3/2021</a:t>
+              <a:t>8/13/2021</a:t>
             </a:fld>
             <a:endParaRPr lang="en-US" dirty="0"/>
           </a:p>
@@ -4106,7 +4106,7 @@
             <a:fld id="{B61BEF0D-F0BB-DE4B-95CE-6DB70DBA9567}" type="datetimeFigureOut">
               <a:rPr lang="en-US" dirty="0"/>
               <a:pPr/>
-              <a:t>8/3/2021</a:t>
+              <a:t>8/13/2021</a:t>
             </a:fld>
             <a:endParaRPr lang="en-US" dirty="0"/>
           </a:p>
@@ -4386,7 +4386,7 @@
             <a:fld id="{B61BEF0D-F0BB-DE4B-95CE-6DB70DBA9567}" type="datetimeFigureOut">
               <a:rPr lang="en-US" dirty="0"/>
               <a:pPr/>
-              <a:t>8/3/2021</a:t>
+              <a:t>8/13/2021</a:t>
             </a:fld>
             <a:endParaRPr lang="en-US" dirty="0"/>
           </a:p>
@@ -4789,7 +4789,7 @@
             <a:fld id="{B61BEF0D-F0BB-DE4B-95CE-6DB70DBA9567}" type="datetimeFigureOut">
               <a:rPr lang="en-US" dirty="0"/>
               <a:pPr/>
-              <a:t>8/3/2021</a:t>
+              <a:t>8/13/2021</a:t>
             </a:fld>
             <a:endParaRPr lang="en-US" dirty="0"/>
           </a:p>
@@ -5595,7 +5595,7 @@
         </p:spPr>
         <p:txBody>
           <a:bodyPr>
-            <a:normAutofit fontScale="77500" lnSpcReduction="20000"/>
+            <a:normAutofit fontScale="70000" lnSpcReduction="20000"/>
           </a:bodyPr>
           <a:lstStyle/>
           <a:p>
@@ -5715,7 +5715,15 @@
             </a:pPr>
             <a:r>
               <a:rPr lang="ru-RU" dirty="0" smtClean="0"/>
-              <a:t>Расчет объемов и стоимости отпущенной электроэнергии в разрезе лицевых счетов.</a:t>
+              <a:t>Прием </a:t>
+            </a:r>
+            <a:r>
+              <a:rPr lang="ru-RU" dirty="0" smtClean="0"/>
+              <a:t>и обработка показаний приборов учета электрической </a:t>
+            </a:r>
+            <a:r>
+              <a:rPr lang="ru-RU" dirty="0" smtClean="0"/>
+              <a:t>энергии.</a:t>
             </a:r>
           </a:p>
           <a:p>
@@ -5724,8 +5732,8 @@
               <a:buAutoNum type="arabicPeriod"/>
             </a:pPr>
             <a:r>
-              <a:rPr lang="ru-RU" dirty="0" smtClean="0"/>
-              <a:t>Прием и обработка показаний приборов учета электрической энергии.</a:t>
+              <a:rPr lang="ru-RU" dirty="0"/>
+              <a:t>Расчет объемов и стоимости отпущенной электроэнергии в разрезе лицевых счетов.</a:t>
             </a:r>
           </a:p>
           <a:p>
@@ -5735,8 +5743,27 @@
             </a:pPr>
             <a:r>
               <a:rPr lang="ru-RU" dirty="0" smtClean="0"/>
-              <a:t>Ежемесячное выставление комплектов документов первичной бухгалтерской отчетности.</a:t>
-            </a:r>
+              <a:t>Ежемесячное </a:t>
+            </a:r>
+            <a:r>
+              <a:rPr lang="ru-RU" dirty="0" smtClean="0"/>
+              <a:t>выставление комплектов документов первичной бухгалтерской отчетности</a:t>
+            </a:r>
+            <a:r>
+              <a:rPr lang="ru-RU" dirty="0" smtClean="0"/>
+              <a:t>.</a:t>
+            </a:r>
+          </a:p>
+          <a:p>
+            <a:pPr marL="457200" indent="-457200">
+              <a:buFont typeface="+mj-lt"/>
+              <a:buAutoNum type="arabicPeriod"/>
+            </a:pPr>
+            <a:r>
+              <a:rPr lang="ru-RU" dirty="0"/>
+              <a:t>Учет оплаты денежных средств от потребителя.</a:t>
+            </a:r>
+            <a:endParaRPr lang="ru-RU" dirty="0" smtClean="0"/>
           </a:p>
           <a:p>
             <a:pPr marL="457200" indent="-457200">

--- a/MyProject/Презентация моего проекта Sbyt (PshikovIE).pptx
+++ b/MyProject/Презентация моего проекта Sbyt (PshikovIE).pptx
@@ -5715,15 +5715,7 @@
             </a:pPr>
             <a:r>
               <a:rPr lang="ru-RU" dirty="0" smtClean="0"/>
-              <a:t>Прием </a:t>
-            </a:r>
-            <a:r>
-              <a:rPr lang="ru-RU" dirty="0" smtClean="0"/>
-              <a:t>и обработка показаний приборов учета электрической </a:t>
-            </a:r>
-            <a:r>
-              <a:rPr lang="ru-RU" dirty="0" smtClean="0"/>
-              <a:t>энергии.</a:t>
+              <a:t>Прием и обработка показаний приборов учета электрической энергии.</a:t>
             </a:r>
           </a:p>
           <a:p>
@@ -5743,15 +5735,7 @@
             </a:pPr>
             <a:r>
               <a:rPr lang="ru-RU" dirty="0" smtClean="0"/>
-              <a:t>Ежемесячное </a:t>
-            </a:r>
-            <a:r>
-              <a:rPr lang="ru-RU" dirty="0" smtClean="0"/>
-              <a:t>выставление комплектов документов первичной бухгалтерской отчетности</a:t>
-            </a:r>
-            <a:r>
-              <a:rPr lang="ru-RU" dirty="0" smtClean="0"/>
-              <a:t>.</a:t>
+              <a:t>Ежемесячное выставление комплектов документов первичной бухгалтерской отчетности.</a:t>
             </a:r>
           </a:p>
           <a:p>
@@ -6067,6 +6051,13 @@
   <p:clrMapOvr>
     <a:masterClrMapping/>
   </p:clrMapOvr>
+  <p:timing>
+    <p:tnLst>
+      <p:par>
+        <p:cTn id="1" dur="indefinite" restart="never" nodeType="tmRoot"/>
+      </p:par>
+    </p:tnLst>
+  </p:timing>
 </p:sld>
 </file>
 
@@ -6182,12 +6173,12 @@
       </p:sp>
       <p:pic>
         <p:nvPicPr>
-          <p:cNvPr id="7" name="Объект 6"/>
+          <p:cNvPr id="8" name="Объект 7"/>
           <p:cNvPicPr>
             <a:picLocks noGrp="1" noChangeAspect="1"/>
           </p:cNvPicPr>
           <p:nvPr>
-            <p:ph sz="half" idx="1"/>
+            <p:ph sz="half" idx="2"/>
           </p:nvPr>
         </p:nvPicPr>
         <p:blipFill>
@@ -6204,38 +6195,33 @@
         </p:blipFill>
         <p:spPr>
           <a:xfrm>
-            <a:off x="115013" y="855470"/>
-            <a:ext cx="11819618" cy="3305049"/>
+            <a:off x="380189" y="3355849"/>
+            <a:ext cx="11094464" cy="3215462"/>
           </a:xfrm>
         </p:spPr>
       </p:pic>
       <p:pic>
         <p:nvPicPr>
-          <p:cNvPr id="8" name="Объект 7"/>
+          <p:cNvPr id="2" name="Рисунок 1"/>
           <p:cNvPicPr>
-            <a:picLocks noGrp="1" noChangeAspect="1"/>
+            <a:picLocks noChangeAspect="1"/>
           </p:cNvPicPr>
-          <p:nvPr>
-            <p:ph sz="half" idx="2"/>
-          </p:nvPr>
+          <p:nvPr/>
         </p:nvPicPr>
         <p:blipFill>
-          <a:blip r:embed="rId3">
-            <a:extLst>
-              <a:ext uri="{28A0092B-C50C-407E-A947-70E740481C1C}">
-                <a14:useLocalDpi xmlns:a14="http://schemas.microsoft.com/office/drawing/2010/main" val="0"/>
-              </a:ext>
-            </a:extLst>
-          </a:blip>
+          <a:blip r:embed="rId3"/>
           <a:stretch>
             <a:fillRect/>
           </a:stretch>
         </p:blipFill>
         <p:spPr>
           <a:xfrm>
-            <a:off x="1688636" y="4240713"/>
-            <a:ext cx="8672371" cy="2513477"/>
+            <a:off x="140594" y="926865"/>
+            <a:ext cx="11869257" cy="2090655"/>
           </a:xfrm>
+          <a:prstGeom prst="rect">
+            <a:avLst/>
+          </a:prstGeom>
         </p:spPr>
       </p:pic>
     </p:spTree>

--- a/MyProject/Презентация моего проекта Sbyt (PshikovIE).pptx
+++ b/MyProject/Презентация моего проекта Sbyt (PshikovIE).pptx
@@ -8,10 +8,11 @@
     <p:sldId id="256" r:id="rId2"/>
     <p:sldId id="257" r:id="rId3"/>
     <p:sldId id="258" r:id="rId4"/>
-    <p:sldId id="262" r:id="rId5"/>
-    <p:sldId id="259" r:id="rId6"/>
-    <p:sldId id="260" r:id="rId7"/>
-    <p:sldId id="261" r:id="rId8"/>
+    <p:sldId id="263" r:id="rId5"/>
+    <p:sldId id="262" r:id="rId6"/>
+    <p:sldId id="259" r:id="rId7"/>
+    <p:sldId id="260" r:id="rId8"/>
+    <p:sldId id="261" r:id="rId9"/>
   </p:sldIdLst>
   <p:sldSz cx="12192000" cy="6858000"/>
   <p:notesSz cx="6858000" cy="9144000"/>
@@ -310,7 +311,7 @@
             <a:fld id="{B61BEF0D-F0BB-DE4B-95CE-6DB70DBA9567}" type="datetimeFigureOut">
               <a:rPr lang="en-US" dirty="0"/>
               <a:pPr/>
-              <a:t>8/13/2021</a:t>
+              <a:t>8/14/2021</a:t>
             </a:fld>
             <a:endParaRPr lang="en-US" dirty="0"/>
           </a:p>
@@ -743,7 +744,7 @@
             <a:fld id="{B61BEF0D-F0BB-DE4B-95CE-6DB70DBA9567}" type="datetimeFigureOut">
               <a:rPr lang="en-US" dirty="0"/>
               <a:pPr/>
-              <a:t>8/13/2021</a:t>
+              <a:t>8/14/2021</a:t>
             </a:fld>
             <a:endParaRPr lang="en-US" dirty="0"/>
           </a:p>
@@ -990,7 +991,7 @@
             <a:fld id="{B61BEF0D-F0BB-DE4B-95CE-6DB70DBA9567}" type="datetimeFigureOut">
               <a:rPr lang="en-US" dirty="0"/>
               <a:pPr/>
-              <a:t>8/13/2021</a:t>
+              <a:t>8/14/2021</a:t>
             </a:fld>
             <a:endParaRPr lang="en-US" dirty="0"/>
           </a:p>
@@ -1295,7 +1296,7 @@
             <a:fld id="{B61BEF0D-F0BB-DE4B-95CE-6DB70DBA9567}" type="datetimeFigureOut">
               <a:rPr lang="en-US" dirty="0"/>
               <a:pPr/>
-              <a:t>8/13/2021</a:t>
+              <a:t>8/14/2021</a:t>
             </a:fld>
             <a:endParaRPr lang="en-US" dirty="0"/>
           </a:p>
@@ -1610,7 +1611,7 @@
             <a:fld id="{B61BEF0D-F0BB-DE4B-95CE-6DB70DBA9567}" type="datetimeFigureOut">
               <a:rPr lang="en-US" dirty="0"/>
               <a:pPr/>
-              <a:t>8/13/2021</a:t>
+              <a:t>8/14/2021</a:t>
             </a:fld>
             <a:endParaRPr lang="en-US" dirty="0"/>
           </a:p>
@@ -1909,7 +1910,7 @@
             <a:fld id="{B61BEF0D-F0BB-DE4B-95CE-6DB70DBA9567}" type="datetimeFigureOut">
               <a:rPr lang="en-US" dirty="0"/>
               <a:pPr/>
-              <a:t>8/13/2021</a:t>
+              <a:t>8/14/2021</a:t>
             </a:fld>
             <a:endParaRPr lang="en-US" dirty="0"/>
           </a:p>
@@ -2273,7 +2274,7 @@
             <a:fld id="{B61BEF0D-F0BB-DE4B-95CE-6DB70DBA9567}" type="datetimeFigureOut">
               <a:rPr lang="en-US" dirty="0"/>
               <a:pPr/>
-              <a:t>8/13/2021</a:t>
+              <a:t>8/14/2021</a:t>
             </a:fld>
             <a:endParaRPr lang="en-US" dirty="0"/>
           </a:p>
@@ -2444,7 +2445,7 @@
             <a:fld id="{B61BEF0D-F0BB-DE4B-95CE-6DB70DBA9567}" type="datetimeFigureOut">
               <a:rPr lang="en-US" dirty="0"/>
               <a:pPr/>
-              <a:t>8/13/2021</a:t>
+              <a:t>8/14/2021</a:t>
             </a:fld>
             <a:endParaRPr lang="en-US" dirty="0"/>
           </a:p>
@@ -2621,7 +2622,7 @@
             <a:fld id="{B61BEF0D-F0BB-DE4B-95CE-6DB70DBA9567}" type="datetimeFigureOut">
               <a:rPr lang="en-US" dirty="0"/>
               <a:pPr/>
-              <a:t>8/13/2021</a:t>
+              <a:t>8/14/2021</a:t>
             </a:fld>
             <a:endParaRPr lang="en-US" dirty="0"/>
           </a:p>
@@ -2788,7 +2789,7 @@
             <a:fld id="{B61BEF0D-F0BB-DE4B-95CE-6DB70DBA9567}" type="datetimeFigureOut">
               <a:rPr lang="en-US" dirty="0"/>
               <a:pPr/>
-              <a:t>8/13/2021</a:t>
+              <a:t>8/14/2021</a:t>
             </a:fld>
             <a:endParaRPr lang="en-US" dirty="0"/>
           </a:p>
@@ -3035,7 +3036,7 @@
             <a:fld id="{B61BEF0D-F0BB-DE4B-95CE-6DB70DBA9567}" type="datetimeFigureOut">
               <a:rPr lang="en-US" dirty="0"/>
               <a:pPr/>
-              <a:t>8/13/2021</a:t>
+              <a:t>8/14/2021</a:t>
             </a:fld>
             <a:endParaRPr lang="en-US" dirty="0"/>
           </a:p>
@@ -3268,7 +3269,7 @@
             <a:fld id="{B61BEF0D-F0BB-DE4B-95CE-6DB70DBA9567}" type="datetimeFigureOut">
               <a:rPr lang="en-US" dirty="0"/>
               <a:pPr/>
-              <a:t>8/13/2021</a:t>
+              <a:t>8/14/2021</a:t>
             </a:fld>
             <a:endParaRPr lang="en-US" dirty="0"/>
           </a:p>
@@ -3647,7 +3648,7 @@
             <a:fld id="{B61BEF0D-F0BB-DE4B-95CE-6DB70DBA9567}" type="datetimeFigureOut">
               <a:rPr lang="en-US" dirty="0"/>
               <a:pPr/>
-              <a:t>8/13/2021</a:t>
+              <a:t>8/14/2021</a:t>
             </a:fld>
             <a:endParaRPr lang="en-US" dirty="0"/>
           </a:p>
@@ -3762,7 +3763,7 @@
             <a:fld id="{B61BEF0D-F0BB-DE4B-95CE-6DB70DBA9567}" type="datetimeFigureOut">
               <a:rPr lang="en-US" dirty="0"/>
               <a:pPr/>
-              <a:t>8/13/2021</a:t>
+              <a:t>8/14/2021</a:t>
             </a:fld>
             <a:endParaRPr lang="en-US" dirty="0"/>
           </a:p>
@@ -3854,7 +3855,7 @@
             <a:fld id="{B61BEF0D-F0BB-DE4B-95CE-6DB70DBA9567}" type="datetimeFigureOut">
               <a:rPr lang="en-US" dirty="0"/>
               <a:pPr/>
-              <a:t>8/13/2021</a:t>
+              <a:t>8/14/2021</a:t>
             </a:fld>
             <a:endParaRPr lang="en-US" dirty="0"/>
           </a:p>
@@ -4106,7 +4107,7 @@
             <a:fld id="{B61BEF0D-F0BB-DE4B-95CE-6DB70DBA9567}" type="datetimeFigureOut">
               <a:rPr lang="en-US" dirty="0"/>
               <a:pPr/>
-              <a:t>8/13/2021</a:t>
+              <a:t>8/14/2021</a:t>
             </a:fld>
             <a:endParaRPr lang="en-US" dirty="0"/>
           </a:p>
@@ -4386,7 +4387,7 @@
             <a:fld id="{B61BEF0D-F0BB-DE4B-95CE-6DB70DBA9567}" type="datetimeFigureOut">
               <a:rPr lang="en-US" dirty="0"/>
               <a:pPr/>
-              <a:t>8/13/2021</a:t>
+              <a:t>8/14/2021</a:t>
             </a:fld>
             <a:endParaRPr lang="en-US" dirty="0"/>
           </a:p>
@@ -4789,7 +4790,7 @@
             <a:fld id="{B61BEF0D-F0BB-DE4B-95CE-6DB70DBA9567}" type="datetimeFigureOut">
               <a:rPr lang="en-US" dirty="0"/>
               <a:pPr/>
-              <a:t>8/13/2021</a:t>
+              <a:t>8/14/2021</a:t>
             </a:fld>
             <a:endParaRPr lang="en-US" dirty="0"/>
           </a:p>
@@ -5928,6 +5929,90 @@
             <a:spLocks noGrp="1"/>
           </p:cNvSpPr>
           <p:nvPr>
+            <p:ph type="title"/>
+          </p:nvPr>
+        </p:nvSpPr>
+        <p:spPr>
+          <a:xfrm>
+            <a:off x="7068312" y="420624"/>
+            <a:ext cx="4837176" cy="1225296"/>
+          </a:xfrm>
+        </p:spPr>
+        <p:txBody>
+          <a:bodyPr>
+            <a:normAutofit fontScale="90000"/>
+          </a:bodyPr>
+          <a:lstStyle/>
+          <a:p>
+            <a:r>
+              <a:rPr lang="ru-RU" dirty="0" smtClean="0"/>
+              <a:t>Пример заполнения справочника «Классификаторы»</a:t>
+            </a:r>
+            <a:endParaRPr lang="ru-RU" dirty="0"/>
+          </a:p>
+        </p:txBody>
+      </p:sp>
+      <p:pic>
+        <p:nvPicPr>
+          <p:cNvPr id="4" name="Рисунок 3"/>
+          <p:cNvPicPr>
+            <a:picLocks noChangeAspect="1"/>
+          </p:cNvPicPr>
+          <p:nvPr/>
+        </p:nvPicPr>
+        <p:blipFill>
+          <a:blip r:embed="rId2"/>
+          <a:stretch>
+            <a:fillRect/>
+          </a:stretch>
+        </p:blipFill>
+        <p:spPr>
+          <a:xfrm>
+            <a:off x="189290" y="164592"/>
+            <a:ext cx="6611133" cy="6569343"/>
+          </a:xfrm>
+          <a:prstGeom prst="rect">
+            <a:avLst/>
+          </a:prstGeom>
+        </p:spPr>
+      </p:pic>
+    </p:spTree>
+    <p:extLst>
+      <p:ext uri="{BB962C8B-B14F-4D97-AF65-F5344CB8AC3E}">
+        <p14:creationId xmlns:p14="http://schemas.microsoft.com/office/powerpoint/2010/main" val="2725885365"/>
+      </p:ext>
+    </p:extLst>
+  </p:cSld>
+  <p:clrMapOvr>
+    <a:masterClrMapping/>
+  </p:clrMapOvr>
+</p:sld>
+</file>
+
+<file path=ppt/slides/slide5.xml><?xml version="1.0" encoding="utf-8"?>
+<p:sld xmlns:a="http://schemas.openxmlformats.org/drawingml/2006/main" xmlns:r="http://schemas.openxmlformats.org/officeDocument/2006/relationships" xmlns:p="http://schemas.openxmlformats.org/presentationml/2006/main">
+  <p:cSld>
+    <p:spTree>
+      <p:nvGrpSpPr>
+        <p:cNvPr id="1" name=""/>
+        <p:cNvGrpSpPr/>
+        <p:nvPr/>
+      </p:nvGrpSpPr>
+      <p:grpSpPr>
+        <a:xfrm>
+          <a:off x="0" y="0"/>
+          <a:ext cx="0" cy="0"/>
+          <a:chOff x="0" y="0"/>
+          <a:chExt cx="0" cy="0"/>
+        </a:xfrm>
+      </p:grpSpPr>
+      <p:sp>
+        <p:nvSpPr>
+          <p:cNvPr id="2" name="Заголовок 1"/>
+          <p:cNvSpPr>
+            <a:spLocks noGrp="1"/>
+          </p:cNvSpPr>
+          <p:nvPr>
             <p:ph type="ctrTitle"/>
           </p:nvPr>
         </p:nvSpPr>
@@ -6061,7 +6146,7 @@
 </p:sld>
 </file>
 
-<file path=ppt/slides/slide5.xml><?xml version="1.0" encoding="utf-8"?>
+<file path=ppt/slides/slide6.xml><?xml version="1.0" encoding="utf-8"?>
 <p:sld xmlns:a="http://schemas.openxmlformats.org/drawingml/2006/main" xmlns:r="http://schemas.openxmlformats.org/officeDocument/2006/relationships" xmlns:p="http://schemas.openxmlformats.org/presentationml/2006/main">
   <p:cSld>
     <p:spTree>
@@ -6126,7 +6211,7 @@
 </p:sld>
 </file>
 
-<file path=ppt/slides/slide6.xml><?xml version="1.0" encoding="utf-8"?>
+<file path=ppt/slides/slide7.xml><?xml version="1.0" encoding="utf-8"?>
 <p:sld xmlns:a="http://schemas.openxmlformats.org/drawingml/2006/main" xmlns:r="http://schemas.openxmlformats.org/officeDocument/2006/relationships" xmlns:p="http://schemas.openxmlformats.org/presentationml/2006/main">
   <p:cSld>
     <p:spTree>
@@ -6237,7 +6322,7 @@
 </p:sld>
 </file>
 
-<file path=ppt/slides/slide7.xml><?xml version="1.0" encoding="utf-8"?>
+<file path=ppt/slides/slide8.xml><?xml version="1.0" encoding="utf-8"?>
 <p:sld xmlns:a="http://schemas.openxmlformats.org/drawingml/2006/main" xmlns:r="http://schemas.openxmlformats.org/officeDocument/2006/relationships" xmlns:p="http://schemas.openxmlformats.org/presentationml/2006/main">
   <p:cSld>
     <p:spTree>
